--- a/Simple fractal.pptx
+++ b/Simple fractal.pptx
@@ -261,7 +261,7 @@
           <a:p>
             <a:fld id="{9E1925A7-9EDF-4957-BD91-CA21E23ECF7D}" type="datetimeFigureOut">
               <a:rPr lang="en-US" smtClean="0"/>
-              <a:t>2/9/2022</a:t>
+              <a:t>2/15/2022</a:t>
             </a:fld>
             <a:endParaRPr lang="en-US"/>
           </a:p>
@@ -459,7 +459,7 @@
           <a:p>
             <a:fld id="{9E1925A7-9EDF-4957-BD91-CA21E23ECF7D}" type="datetimeFigureOut">
               <a:rPr lang="en-US" smtClean="0"/>
-              <a:t>2/9/2022</a:t>
+              <a:t>2/15/2022</a:t>
             </a:fld>
             <a:endParaRPr lang="en-US"/>
           </a:p>
@@ -667,7 +667,7 @@
           <a:p>
             <a:fld id="{9E1925A7-9EDF-4957-BD91-CA21E23ECF7D}" type="datetimeFigureOut">
               <a:rPr lang="en-US" smtClean="0"/>
-              <a:t>2/9/2022</a:t>
+              <a:t>2/15/2022</a:t>
             </a:fld>
             <a:endParaRPr lang="en-US"/>
           </a:p>
@@ -865,7 +865,7 @@
           <a:p>
             <a:fld id="{9E1925A7-9EDF-4957-BD91-CA21E23ECF7D}" type="datetimeFigureOut">
               <a:rPr lang="en-US" smtClean="0"/>
-              <a:t>2/9/2022</a:t>
+              <a:t>2/15/2022</a:t>
             </a:fld>
             <a:endParaRPr lang="en-US"/>
           </a:p>
@@ -1140,7 +1140,7 @@
           <a:p>
             <a:fld id="{9E1925A7-9EDF-4957-BD91-CA21E23ECF7D}" type="datetimeFigureOut">
               <a:rPr lang="en-US" smtClean="0"/>
-              <a:t>2/9/2022</a:t>
+              <a:t>2/15/2022</a:t>
             </a:fld>
             <a:endParaRPr lang="en-US"/>
           </a:p>
@@ -1405,7 +1405,7 @@
           <a:p>
             <a:fld id="{9E1925A7-9EDF-4957-BD91-CA21E23ECF7D}" type="datetimeFigureOut">
               <a:rPr lang="en-US" smtClean="0"/>
-              <a:t>2/9/2022</a:t>
+              <a:t>2/15/2022</a:t>
             </a:fld>
             <a:endParaRPr lang="en-US"/>
           </a:p>
@@ -1817,7 +1817,7 @@
           <a:p>
             <a:fld id="{9E1925A7-9EDF-4957-BD91-CA21E23ECF7D}" type="datetimeFigureOut">
               <a:rPr lang="en-US" smtClean="0"/>
-              <a:t>2/9/2022</a:t>
+              <a:t>2/15/2022</a:t>
             </a:fld>
             <a:endParaRPr lang="en-US"/>
           </a:p>
@@ -1958,7 +1958,7 @@
           <a:p>
             <a:fld id="{9E1925A7-9EDF-4957-BD91-CA21E23ECF7D}" type="datetimeFigureOut">
               <a:rPr lang="en-US" smtClean="0"/>
-              <a:t>2/9/2022</a:t>
+              <a:t>2/15/2022</a:t>
             </a:fld>
             <a:endParaRPr lang="en-US"/>
           </a:p>
@@ -2071,7 +2071,7 @@
           <a:p>
             <a:fld id="{9E1925A7-9EDF-4957-BD91-CA21E23ECF7D}" type="datetimeFigureOut">
               <a:rPr lang="en-US" smtClean="0"/>
-              <a:t>2/9/2022</a:t>
+              <a:t>2/15/2022</a:t>
             </a:fld>
             <a:endParaRPr lang="en-US"/>
           </a:p>
@@ -2382,7 +2382,7 @@
           <a:p>
             <a:fld id="{9E1925A7-9EDF-4957-BD91-CA21E23ECF7D}" type="datetimeFigureOut">
               <a:rPr lang="en-US" smtClean="0"/>
-              <a:t>2/9/2022</a:t>
+              <a:t>2/15/2022</a:t>
             </a:fld>
             <a:endParaRPr lang="en-US"/>
           </a:p>
@@ -2670,7 +2670,7 @@
           <a:p>
             <a:fld id="{9E1925A7-9EDF-4957-BD91-CA21E23ECF7D}" type="datetimeFigureOut">
               <a:rPr lang="en-US" smtClean="0"/>
-              <a:t>2/9/2022</a:t>
+              <a:t>2/15/2022</a:t>
             </a:fld>
             <a:endParaRPr lang="en-US"/>
           </a:p>
@@ -2911,7 +2911,7 @@
           <a:p>
             <a:fld id="{9E1925A7-9EDF-4957-BD91-CA21E23ECF7D}" type="datetimeFigureOut">
               <a:rPr lang="en-US" smtClean="0"/>
-              <a:t>2/9/2022</a:t>
+              <a:t>2/15/2022</a:t>
             </a:fld>
             <a:endParaRPr lang="en-US"/>
           </a:p>
@@ -3378,10 +3378,9 @@
           <a:lstStyle/>
           <a:p>
             <a:r>
-              <a:rPr lang="en-US"/>
+              <a:rPr lang="en-US" dirty="0"/>
               <a:t>Mike Babb</a:t>
             </a:r>
-            <a:endParaRPr lang="en-US" dirty="0"/>
           </a:p>
           <a:p>
             <a:r>
@@ -3395,7 +3394,7 @@
           <a:p>
             <a:r>
               <a:rPr lang="en-US" dirty="0"/>
-              <a:t>February 9, 2022</a:t>
+              <a:t>February 15, 2022</a:t>
             </a:r>
           </a:p>
         </p:txBody>
@@ -3458,8 +3457,8 @@
           </a:p>
         </p:txBody>
       </p:sp>
-      <mc:AlternateContent xmlns:mc="http://schemas.openxmlformats.org/markup-compatibility/2006">
-        <mc:Choice xmlns:a14="http://schemas.microsoft.com/office/drawing/2010/main" Requires="a14">
+      <mc:AlternateContent xmlns:mc="http://schemas.openxmlformats.org/markup-compatibility/2006" xmlns:a14="http://schemas.microsoft.com/office/drawing/2010/main">
+        <mc:Choice Requires="a14">
           <p:sp>
             <p:nvSpPr>
               <p:cNvPr id="3" name="Content Placeholder 2">
@@ -3652,7 +3651,7 @@
             </p:txBody>
           </p:sp>
         </mc:Choice>
-        <mc:Fallback>
+        <mc:Fallback xmlns="">
           <p:sp>
             <p:nvSpPr>
               <p:cNvPr id="3" name="Content Placeholder 2">

--- a/Simple fractal.pptx
+++ b/Simple fractal.pptx
@@ -261,7 +261,7 @@
           <a:p>
             <a:fld id="{9E1925A7-9EDF-4957-BD91-CA21E23ECF7D}" type="datetimeFigureOut">
               <a:rPr lang="en-US" smtClean="0"/>
-              <a:t>2/15/2022</a:t>
+              <a:t>5/23/2024</a:t>
             </a:fld>
             <a:endParaRPr lang="en-US"/>
           </a:p>
@@ -459,7 +459,7 @@
           <a:p>
             <a:fld id="{9E1925A7-9EDF-4957-BD91-CA21E23ECF7D}" type="datetimeFigureOut">
               <a:rPr lang="en-US" smtClean="0"/>
-              <a:t>2/15/2022</a:t>
+              <a:t>5/23/2024</a:t>
             </a:fld>
             <a:endParaRPr lang="en-US"/>
           </a:p>
@@ -667,7 +667,7 @@
           <a:p>
             <a:fld id="{9E1925A7-9EDF-4957-BD91-CA21E23ECF7D}" type="datetimeFigureOut">
               <a:rPr lang="en-US" smtClean="0"/>
-              <a:t>2/15/2022</a:t>
+              <a:t>5/23/2024</a:t>
             </a:fld>
             <a:endParaRPr lang="en-US"/>
           </a:p>
@@ -865,7 +865,7 @@
           <a:p>
             <a:fld id="{9E1925A7-9EDF-4957-BD91-CA21E23ECF7D}" type="datetimeFigureOut">
               <a:rPr lang="en-US" smtClean="0"/>
-              <a:t>2/15/2022</a:t>
+              <a:t>5/23/2024</a:t>
             </a:fld>
             <a:endParaRPr lang="en-US"/>
           </a:p>
@@ -1140,7 +1140,7 @@
           <a:p>
             <a:fld id="{9E1925A7-9EDF-4957-BD91-CA21E23ECF7D}" type="datetimeFigureOut">
               <a:rPr lang="en-US" smtClean="0"/>
-              <a:t>2/15/2022</a:t>
+              <a:t>5/23/2024</a:t>
             </a:fld>
             <a:endParaRPr lang="en-US"/>
           </a:p>
@@ -1405,7 +1405,7 @@
           <a:p>
             <a:fld id="{9E1925A7-9EDF-4957-BD91-CA21E23ECF7D}" type="datetimeFigureOut">
               <a:rPr lang="en-US" smtClean="0"/>
-              <a:t>2/15/2022</a:t>
+              <a:t>5/23/2024</a:t>
             </a:fld>
             <a:endParaRPr lang="en-US"/>
           </a:p>
@@ -1817,7 +1817,7 @@
           <a:p>
             <a:fld id="{9E1925A7-9EDF-4957-BD91-CA21E23ECF7D}" type="datetimeFigureOut">
               <a:rPr lang="en-US" smtClean="0"/>
-              <a:t>2/15/2022</a:t>
+              <a:t>5/23/2024</a:t>
             </a:fld>
             <a:endParaRPr lang="en-US"/>
           </a:p>
@@ -1958,7 +1958,7 @@
           <a:p>
             <a:fld id="{9E1925A7-9EDF-4957-BD91-CA21E23ECF7D}" type="datetimeFigureOut">
               <a:rPr lang="en-US" smtClean="0"/>
-              <a:t>2/15/2022</a:t>
+              <a:t>5/23/2024</a:t>
             </a:fld>
             <a:endParaRPr lang="en-US"/>
           </a:p>
@@ -2071,7 +2071,7 @@
           <a:p>
             <a:fld id="{9E1925A7-9EDF-4957-BD91-CA21E23ECF7D}" type="datetimeFigureOut">
               <a:rPr lang="en-US" smtClean="0"/>
-              <a:t>2/15/2022</a:t>
+              <a:t>5/23/2024</a:t>
             </a:fld>
             <a:endParaRPr lang="en-US"/>
           </a:p>
@@ -2382,7 +2382,7 @@
           <a:p>
             <a:fld id="{9E1925A7-9EDF-4957-BD91-CA21E23ECF7D}" type="datetimeFigureOut">
               <a:rPr lang="en-US" smtClean="0"/>
-              <a:t>2/15/2022</a:t>
+              <a:t>5/23/2024</a:t>
             </a:fld>
             <a:endParaRPr lang="en-US"/>
           </a:p>
@@ -2670,7 +2670,7 @@
           <a:p>
             <a:fld id="{9E1925A7-9EDF-4957-BD91-CA21E23ECF7D}" type="datetimeFigureOut">
               <a:rPr lang="en-US" smtClean="0"/>
-              <a:t>2/15/2022</a:t>
+              <a:t>5/23/2024</a:t>
             </a:fld>
             <a:endParaRPr lang="en-US"/>
           </a:p>
@@ -2911,7 +2911,7 @@
           <a:p>
             <a:fld id="{9E1925A7-9EDF-4957-BD91-CA21E23ECF7D}" type="datetimeFigureOut">
               <a:rPr lang="en-US" smtClean="0"/>
-              <a:t>2/15/2022</a:t>
+              <a:t>5/23/2024</a:t>
             </a:fld>
             <a:endParaRPr lang="en-US"/>
           </a:p>
@@ -3393,9 +3393,10 @@
           </a:p>
           <a:p>
             <a:r>
-              <a:rPr lang="en-US" dirty="0"/>
-              <a:t>February 15, 2022</a:t>
-            </a:r>
+              <a:rPr lang="en-US"/>
+              <a:t>May 23, 2024</a:t>
+            </a:r>
+            <a:endParaRPr lang="en-US" dirty="0"/>
           </a:p>
         </p:txBody>
       </p:sp>
@@ -3457,8 +3458,8 @@
           </a:p>
         </p:txBody>
       </p:sp>
-      <mc:AlternateContent xmlns:mc="http://schemas.openxmlformats.org/markup-compatibility/2006" xmlns:a14="http://schemas.microsoft.com/office/drawing/2010/main">
-        <mc:Choice Requires="a14">
+      <mc:AlternateContent xmlns:mc="http://schemas.openxmlformats.org/markup-compatibility/2006">
+        <mc:Choice xmlns:a14="http://schemas.microsoft.com/office/drawing/2010/main" Requires="a14">
           <p:sp>
             <p:nvSpPr>
               <p:cNvPr id="3" name="Content Placeholder 2">
@@ -3639,7 +3640,31 @@
                 </a:r>
                 <a:r>
                   <a:rPr lang="en-US" dirty="0"/>
-                  <a:t> visualization of many evaluations of the above function using python and the NumPy and PIL libraries</a:t>
+                  <a:t> visualization of many evaluations of the above function using python and the </a:t>
+                </a:r>
+                <a:r>
+                  <a:rPr lang="en-US" dirty="0">
+                    <a:highlight>
+                      <a:srgbClr val="FFFF00"/>
+                    </a:highlight>
+                  </a:rPr>
+                  <a:t>NumPy</a:t>
+                </a:r>
+                <a:r>
+                  <a:rPr lang="en-US" dirty="0"/>
+                  <a:t> and </a:t>
+                </a:r>
+                <a:r>
+                  <a:rPr lang="en-US" dirty="0">
+                    <a:highlight>
+                      <a:srgbClr val="FFFF00"/>
+                    </a:highlight>
+                  </a:rPr>
+                  <a:t>PIL</a:t>
+                </a:r>
+                <a:r>
+                  <a:rPr lang="en-US" dirty="0"/>
+                  <a:t> libraries</a:t>
                 </a:r>
               </a:p>
               <a:p>
@@ -3651,7 +3676,7 @@
             </p:txBody>
           </p:sp>
         </mc:Choice>
-        <mc:Fallback xmlns="">
+        <mc:Fallback>
           <p:sp>
             <p:nvSpPr>
               <p:cNvPr id="3" name="Content Placeholder 2">
